--- a/python/ppt/파이썬_02_01.pptx
+++ b/python/ppt/파이썬_02_01.pptx
@@ -1135,7 +1135,7 @@
           <a:p>
             <a:fld id="{0635B7AB-F867-486D-8C26-903C15EEB2BF}" type="datetimeFigureOut">
               <a:rPr lang="ko-KR" altLang="en-US" smtClean="0"/>
-              <a:t>2024-05-20</a:t>
+              <a:t>2024-08-28</a:t>
             </a:fld>
             <a:endParaRPr lang="ko-KR" altLang="en-US"/>
           </a:p>
@@ -6732,8 +6732,12 @@
               </a:lnSpc>
             </a:pPr>
             <a:r>
-              <a:rPr lang="ko-KR" altLang="en-US" dirty="0"/>
-              <a:t>마지막 숫자 포함</a:t>
+              <a:rPr lang="ko-KR" altLang="en-US"/>
+              <a:t>첫 </a:t>
+            </a:r>
+            <a:r>
+              <a:rPr lang="ko-KR" altLang="en-US" dirty="0"/>
+              <a:t>숫자 포함</a:t>
             </a:r>
             <a:endParaRPr lang="en-US" altLang="ko-KR" dirty="0"/>
           </a:p>
